--- a/figures/Figure 5.pptx
+++ b/figures/Figure 5.pptx
@@ -940,7 +940,7 @@
           <a:p>
             <a:fld id="{4D81D86F-F787-40E6-9324-9831398DB489}" type="datetimeFigureOut">
               <a:rPr lang="en-US" smtClean="0"/>
-              <a:t>12/14/2022</a:t>
+              <a:t>12/15/2022</a:t>
             </a:fld>
             <a:endParaRPr lang="en-US"/>
           </a:p>
@@ -1110,7 +1110,7 @@
           <a:p>
             <a:fld id="{4D81D86F-F787-40E6-9324-9831398DB489}" type="datetimeFigureOut">
               <a:rPr lang="en-US" smtClean="0"/>
-              <a:t>12/14/2022</a:t>
+              <a:t>12/15/2022</a:t>
             </a:fld>
             <a:endParaRPr lang="en-US"/>
           </a:p>
@@ -1290,7 +1290,7 @@
           <a:p>
             <a:fld id="{4D81D86F-F787-40E6-9324-9831398DB489}" type="datetimeFigureOut">
               <a:rPr lang="en-US" smtClean="0"/>
-              <a:t>12/14/2022</a:t>
+              <a:t>12/15/2022</a:t>
             </a:fld>
             <a:endParaRPr lang="en-US"/>
           </a:p>
@@ -1460,7 +1460,7 @@
           <a:p>
             <a:fld id="{4D81D86F-F787-40E6-9324-9831398DB489}" type="datetimeFigureOut">
               <a:rPr lang="en-US" smtClean="0"/>
-              <a:t>12/14/2022</a:t>
+              <a:t>12/15/2022</a:t>
             </a:fld>
             <a:endParaRPr lang="en-US"/>
           </a:p>
@@ -1704,7 +1704,7 @@
           <a:p>
             <a:fld id="{4D81D86F-F787-40E6-9324-9831398DB489}" type="datetimeFigureOut">
               <a:rPr lang="en-US" smtClean="0"/>
-              <a:t>12/14/2022</a:t>
+              <a:t>12/15/2022</a:t>
             </a:fld>
             <a:endParaRPr lang="en-US"/>
           </a:p>
@@ -1936,7 +1936,7 @@
           <a:p>
             <a:fld id="{4D81D86F-F787-40E6-9324-9831398DB489}" type="datetimeFigureOut">
               <a:rPr lang="en-US" smtClean="0"/>
-              <a:t>12/14/2022</a:t>
+              <a:t>12/15/2022</a:t>
             </a:fld>
             <a:endParaRPr lang="en-US"/>
           </a:p>
@@ -2303,7 +2303,7 @@
           <a:p>
             <a:fld id="{4D81D86F-F787-40E6-9324-9831398DB489}" type="datetimeFigureOut">
               <a:rPr lang="en-US" smtClean="0"/>
-              <a:t>12/14/2022</a:t>
+              <a:t>12/15/2022</a:t>
             </a:fld>
             <a:endParaRPr lang="en-US"/>
           </a:p>
@@ -2421,7 +2421,7 @@
           <a:p>
             <a:fld id="{4D81D86F-F787-40E6-9324-9831398DB489}" type="datetimeFigureOut">
               <a:rPr lang="en-US" smtClean="0"/>
-              <a:t>12/14/2022</a:t>
+              <a:t>12/15/2022</a:t>
             </a:fld>
             <a:endParaRPr lang="en-US"/>
           </a:p>
@@ -2516,7 +2516,7 @@
           <a:p>
             <a:fld id="{4D81D86F-F787-40E6-9324-9831398DB489}" type="datetimeFigureOut">
               <a:rPr lang="en-US" smtClean="0"/>
-              <a:t>12/14/2022</a:t>
+              <a:t>12/15/2022</a:t>
             </a:fld>
             <a:endParaRPr lang="en-US"/>
           </a:p>
@@ -2793,7 +2793,7 @@
           <a:p>
             <a:fld id="{4D81D86F-F787-40E6-9324-9831398DB489}" type="datetimeFigureOut">
               <a:rPr lang="en-US" smtClean="0"/>
-              <a:t>12/14/2022</a:t>
+              <a:t>12/15/2022</a:t>
             </a:fld>
             <a:endParaRPr lang="en-US"/>
           </a:p>
@@ -3050,7 +3050,7 @@
           <a:p>
             <a:fld id="{4D81D86F-F787-40E6-9324-9831398DB489}" type="datetimeFigureOut">
               <a:rPr lang="en-US" smtClean="0"/>
-              <a:t>12/14/2022</a:t>
+              <a:t>12/15/2022</a:t>
             </a:fld>
             <a:endParaRPr lang="en-US"/>
           </a:p>
@@ -3263,7 +3263,7 @@
           <a:p>
             <a:fld id="{4D81D86F-F787-40E6-9324-9831398DB489}" type="datetimeFigureOut">
               <a:rPr lang="en-US" smtClean="0"/>
-              <a:t>12/14/2022</a:t>
+              <a:t>12/15/2022</a:t>
             </a:fld>
             <a:endParaRPr lang="en-US"/>
           </a:p>
@@ -4492,27 +4492,46 @@
           </a:fontRef>
         </p:style>
         <p:txBody>
-          <a:bodyPr lIns="45720" tIns="0" rIns="0" bIns="0" rtlCol="0" anchor="t" anchorCtr="0"/>
-          <a:lstStyle/>
-          <a:p>
+          <a:bodyPr lIns="0" tIns="0" rIns="0" bIns="0" rtlCol="0" anchor="t" anchorCtr="0"/>
+          <a:lstStyle/>
+          <a:p>
+            <a:endParaRPr lang="en-US" sz="1000" b="1" dirty="0">
+              <a:ln w="0"/>
+              <a:solidFill>
+                <a:schemeClr val="accent1"/>
+              </a:solidFill>
+              <a:latin typeface="Arial" panose="020B0604020202020204" pitchFamily="34" charset="0"/>
+              <a:cs typeface="Arial" panose="020B0604020202020204" pitchFamily="34" charset="0"/>
+            </a:endParaRPr>
+          </a:p>
+          <a:p>
+            <a:endParaRPr lang="en-US" sz="1000" b="1" dirty="0">
+              <a:ln w="0"/>
+              <a:solidFill>
+                <a:schemeClr val="accent1"/>
+              </a:solidFill>
+              <a:latin typeface="Arial" panose="020B0604020202020204" pitchFamily="34" charset="0"/>
+              <a:cs typeface="Arial" panose="020B0604020202020204" pitchFamily="34" charset="0"/>
+            </a:endParaRPr>
+          </a:p>
+          <a:p>
+            <a:endParaRPr lang="en-US" sz="1000" b="1" dirty="0">
+              <a:ln w="0"/>
+              <a:solidFill>
+                <a:schemeClr val="accent1"/>
+              </a:solidFill>
+              <a:latin typeface="Arial" panose="020B0604020202020204" pitchFamily="34" charset="0"/>
+              <a:cs typeface="Arial" panose="020B0604020202020204" pitchFamily="34" charset="0"/>
+            </a:endParaRPr>
+          </a:p>
+          <a:p>
+            <a:pPr algn="ctr"/>
             <a:r>
               <a:rPr lang="en-US" sz="1000" b="1" dirty="0">
-                <a:ln w="10160">
-                  <a:solidFill>
-                    <a:schemeClr val="accent5"/>
-                  </a:solidFill>
-                  <a:prstDash val="solid"/>
-                </a:ln>
+                <a:ln w="0"/>
                 <a:solidFill>
-                  <a:srgbClr val="FFFFFF"/>
+                  <a:schemeClr val="accent1"/>
                 </a:solidFill>
-                <a:effectLst>
-                  <a:outerShdw blurRad="38100" dist="22860" dir="5400000" algn="tl" rotWithShape="0">
-                    <a:srgbClr val="000000">
-                      <a:alpha val="30000"/>
-                    </a:srgbClr>
-                  </a:outerShdw>
-                </a:effectLst>
                 <a:latin typeface="Arial" panose="020B0604020202020204" pitchFamily="34" charset="0"/>
                 <a:cs typeface="Arial" panose="020B0604020202020204" pitchFamily="34" charset="0"/>
               </a:rPr>
@@ -4566,27 +4585,46 @@
           </a:fontRef>
         </p:style>
         <p:txBody>
-          <a:bodyPr lIns="45720" tIns="0" rIns="0" bIns="0" rtlCol="0" anchor="t" anchorCtr="0"/>
-          <a:lstStyle/>
-          <a:p>
+          <a:bodyPr lIns="0" tIns="0" rIns="0" bIns="0" rtlCol="0" anchor="t" anchorCtr="0"/>
+          <a:lstStyle/>
+          <a:p>
+            <a:endParaRPr lang="en-US" sz="1000" b="1" dirty="0">
+              <a:ln w="0"/>
+              <a:solidFill>
+                <a:schemeClr val="accent1"/>
+              </a:solidFill>
+              <a:latin typeface="Arial" panose="020B0604020202020204" pitchFamily="34" charset="0"/>
+              <a:cs typeface="Arial" panose="020B0604020202020204" pitchFamily="34" charset="0"/>
+            </a:endParaRPr>
+          </a:p>
+          <a:p>
+            <a:endParaRPr lang="en-US" sz="1000" b="1" dirty="0">
+              <a:ln w="0"/>
+              <a:solidFill>
+                <a:schemeClr val="accent1"/>
+              </a:solidFill>
+              <a:latin typeface="Arial" panose="020B0604020202020204" pitchFamily="34" charset="0"/>
+              <a:cs typeface="Arial" panose="020B0604020202020204" pitchFamily="34" charset="0"/>
+            </a:endParaRPr>
+          </a:p>
+          <a:p>
+            <a:endParaRPr lang="en-US" sz="1000" b="1" dirty="0">
+              <a:ln w="0"/>
+              <a:solidFill>
+                <a:schemeClr val="accent1"/>
+              </a:solidFill>
+              <a:latin typeface="Arial" panose="020B0604020202020204" pitchFamily="34" charset="0"/>
+              <a:cs typeface="Arial" panose="020B0604020202020204" pitchFamily="34" charset="0"/>
+            </a:endParaRPr>
+          </a:p>
+          <a:p>
+            <a:pPr algn="ctr"/>
             <a:r>
               <a:rPr lang="en-US" sz="1000" b="1" dirty="0">
-                <a:ln w="10160">
-                  <a:solidFill>
-                    <a:schemeClr val="accent5"/>
-                  </a:solidFill>
-                  <a:prstDash val="solid"/>
-                </a:ln>
+                <a:ln w="0"/>
                 <a:solidFill>
-                  <a:srgbClr val="FFFFFF"/>
+                  <a:schemeClr val="accent1"/>
                 </a:solidFill>
-                <a:effectLst>
-                  <a:outerShdw blurRad="38100" dist="22860" dir="5400000" algn="tl" rotWithShape="0">
-                    <a:srgbClr val="000000">
-                      <a:alpha val="30000"/>
-                    </a:srgbClr>
-                  </a:outerShdw>
-                </a:effectLst>
                 <a:latin typeface="Arial" panose="020B0604020202020204" pitchFamily="34" charset="0"/>
                 <a:cs typeface="Arial" panose="020B0604020202020204" pitchFamily="34" charset="0"/>
               </a:rPr>
@@ -4640,27 +4678,46 @@
           </a:fontRef>
         </p:style>
         <p:txBody>
-          <a:bodyPr lIns="45720" tIns="0" rIns="0" bIns="0" rtlCol="0" anchor="t" anchorCtr="0"/>
-          <a:lstStyle/>
-          <a:p>
+          <a:bodyPr lIns="0" tIns="0" rIns="0" bIns="0" rtlCol="0" anchor="t" anchorCtr="0"/>
+          <a:lstStyle/>
+          <a:p>
+            <a:endParaRPr lang="en-US" sz="1000" b="1" dirty="0">
+              <a:ln w="0"/>
+              <a:solidFill>
+                <a:schemeClr val="accent1"/>
+              </a:solidFill>
+              <a:latin typeface="Arial" panose="020B0604020202020204" pitchFamily="34" charset="0"/>
+              <a:cs typeface="Arial" panose="020B0604020202020204" pitchFamily="34" charset="0"/>
+            </a:endParaRPr>
+          </a:p>
+          <a:p>
+            <a:endParaRPr lang="en-US" sz="1000" b="1" dirty="0">
+              <a:ln w="0"/>
+              <a:solidFill>
+                <a:schemeClr val="accent1"/>
+              </a:solidFill>
+              <a:latin typeface="Arial" panose="020B0604020202020204" pitchFamily="34" charset="0"/>
+              <a:cs typeface="Arial" panose="020B0604020202020204" pitchFamily="34" charset="0"/>
+            </a:endParaRPr>
+          </a:p>
+          <a:p>
+            <a:endParaRPr lang="en-US" sz="1000" b="1" dirty="0">
+              <a:ln w="0"/>
+              <a:solidFill>
+                <a:schemeClr val="accent1"/>
+              </a:solidFill>
+              <a:latin typeface="Arial" panose="020B0604020202020204" pitchFamily="34" charset="0"/>
+              <a:cs typeface="Arial" panose="020B0604020202020204" pitchFamily="34" charset="0"/>
+            </a:endParaRPr>
+          </a:p>
+          <a:p>
+            <a:pPr algn="ctr"/>
             <a:r>
               <a:rPr lang="en-US" sz="1000" b="1" dirty="0">
-                <a:ln w="10160">
-                  <a:solidFill>
-                    <a:schemeClr val="accent5"/>
-                  </a:solidFill>
-                  <a:prstDash val="solid"/>
-                </a:ln>
+                <a:ln w="0"/>
                 <a:solidFill>
-                  <a:srgbClr val="FFFFFF"/>
+                  <a:schemeClr val="accent1"/>
                 </a:solidFill>
-                <a:effectLst>
-                  <a:outerShdw blurRad="38100" dist="22860" dir="5400000" algn="tl" rotWithShape="0">
-                    <a:srgbClr val="000000">
-                      <a:alpha val="30000"/>
-                    </a:srgbClr>
-                  </a:outerShdw>
-                </a:effectLst>
                 <a:latin typeface="Arial" panose="020B0604020202020204" pitchFamily="34" charset="0"/>
                 <a:cs typeface="Arial" panose="020B0604020202020204" pitchFamily="34" charset="0"/>
               </a:rPr>
@@ -4714,27 +4771,46 @@
           </a:fontRef>
         </p:style>
         <p:txBody>
-          <a:bodyPr lIns="45720" tIns="0" rIns="0" bIns="0" rtlCol="0" anchor="t" anchorCtr="0"/>
-          <a:lstStyle/>
-          <a:p>
+          <a:bodyPr lIns="0" tIns="0" rIns="0" bIns="0" rtlCol="0" anchor="t" anchorCtr="0"/>
+          <a:lstStyle/>
+          <a:p>
+            <a:endParaRPr lang="en-US" sz="1000" b="1" dirty="0">
+              <a:ln w="0"/>
+              <a:solidFill>
+                <a:schemeClr val="accent1"/>
+              </a:solidFill>
+              <a:latin typeface="Arial" panose="020B0604020202020204" pitchFamily="34" charset="0"/>
+              <a:cs typeface="Arial" panose="020B0604020202020204" pitchFamily="34" charset="0"/>
+            </a:endParaRPr>
+          </a:p>
+          <a:p>
+            <a:endParaRPr lang="en-US" sz="1000" b="1" dirty="0">
+              <a:ln w="0"/>
+              <a:solidFill>
+                <a:schemeClr val="accent1"/>
+              </a:solidFill>
+              <a:latin typeface="Arial" panose="020B0604020202020204" pitchFamily="34" charset="0"/>
+              <a:cs typeface="Arial" panose="020B0604020202020204" pitchFamily="34" charset="0"/>
+            </a:endParaRPr>
+          </a:p>
+          <a:p>
+            <a:endParaRPr lang="en-US" sz="1000" b="1" dirty="0">
+              <a:ln w="0"/>
+              <a:solidFill>
+                <a:schemeClr val="accent1"/>
+              </a:solidFill>
+              <a:latin typeface="Arial" panose="020B0604020202020204" pitchFamily="34" charset="0"/>
+              <a:cs typeface="Arial" panose="020B0604020202020204" pitchFamily="34" charset="0"/>
+            </a:endParaRPr>
+          </a:p>
+          <a:p>
+            <a:pPr algn="ctr"/>
             <a:r>
               <a:rPr lang="en-US" sz="1000" b="1" dirty="0">
-                <a:ln w="10160">
-                  <a:solidFill>
-                    <a:schemeClr val="accent5"/>
-                  </a:solidFill>
-                  <a:prstDash val="solid"/>
-                </a:ln>
+                <a:ln w="0"/>
                 <a:solidFill>
-                  <a:srgbClr val="FFFFFF"/>
+                  <a:schemeClr val="accent1"/>
                 </a:solidFill>
-                <a:effectLst>
-                  <a:outerShdw blurRad="38100" dist="22860" dir="5400000" algn="tl" rotWithShape="0">
-                    <a:srgbClr val="000000">
-                      <a:alpha val="30000"/>
-                    </a:srgbClr>
-                  </a:outerShdw>
-                </a:effectLst>
                 <a:latin typeface="Arial" panose="020B0604020202020204" pitchFamily="34" charset="0"/>
                 <a:cs typeface="Arial" panose="020B0604020202020204" pitchFamily="34" charset="0"/>
               </a:rPr>
@@ -4788,27 +4864,46 @@
           </a:fontRef>
         </p:style>
         <p:txBody>
-          <a:bodyPr lIns="45720" tIns="0" rIns="0" bIns="0" rtlCol="0" anchor="t" anchorCtr="0"/>
-          <a:lstStyle/>
-          <a:p>
+          <a:bodyPr lIns="0" tIns="0" rIns="0" bIns="0" rtlCol="0" anchor="t" anchorCtr="0"/>
+          <a:lstStyle/>
+          <a:p>
+            <a:endParaRPr lang="en-US" sz="1000" b="1" dirty="0">
+              <a:ln w="0"/>
+              <a:solidFill>
+                <a:schemeClr val="accent1"/>
+              </a:solidFill>
+              <a:latin typeface="Arial" panose="020B0604020202020204" pitchFamily="34" charset="0"/>
+              <a:cs typeface="Arial" panose="020B0604020202020204" pitchFamily="34" charset="0"/>
+            </a:endParaRPr>
+          </a:p>
+          <a:p>
+            <a:endParaRPr lang="en-US" sz="1000" b="1" dirty="0">
+              <a:ln w="0"/>
+              <a:solidFill>
+                <a:schemeClr val="accent1"/>
+              </a:solidFill>
+              <a:latin typeface="Arial" panose="020B0604020202020204" pitchFamily="34" charset="0"/>
+              <a:cs typeface="Arial" panose="020B0604020202020204" pitchFamily="34" charset="0"/>
+            </a:endParaRPr>
+          </a:p>
+          <a:p>
+            <a:endParaRPr lang="en-US" sz="1000" b="1" dirty="0">
+              <a:ln w="0"/>
+              <a:solidFill>
+                <a:schemeClr val="accent1"/>
+              </a:solidFill>
+              <a:latin typeface="Arial" panose="020B0604020202020204" pitchFamily="34" charset="0"/>
+              <a:cs typeface="Arial" panose="020B0604020202020204" pitchFamily="34" charset="0"/>
+            </a:endParaRPr>
+          </a:p>
+          <a:p>
+            <a:pPr algn="ctr"/>
             <a:r>
               <a:rPr lang="en-US" sz="1000" b="1" dirty="0">
-                <a:ln w="10160">
-                  <a:solidFill>
-                    <a:schemeClr val="accent5"/>
-                  </a:solidFill>
-                  <a:prstDash val="solid"/>
-                </a:ln>
+                <a:ln w="0"/>
                 <a:solidFill>
-                  <a:srgbClr val="FFFFFF"/>
+                  <a:schemeClr val="accent1"/>
                 </a:solidFill>
-                <a:effectLst>
-                  <a:outerShdw blurRad="38100" dist="22860" dir="5400000" algn="tl" rotWithShape="0">
-                    <a:srgbClr val="000000">
-                      <a:alpha val="30000"/>
-                    </a:srgbClr>
-                  </a:outerShdw>
-                </a:effectLst>
                 <a:latin typeface="Arial" panose="020B0604020202020204" pitchFamily="34" charset="0"/>
                 <a:cs typeface="Arial" panose="020B0604020202020204" pitchFamily="34" charset="0"/>
               </a:rPr>
@@ -4862,27 +4957,46 @@
           </a:fontRef>
         </p:style>
         <p:txBody>
-          <a:bodyPr lIns="45720" tIns="0" rIns="0" bIns="0" rtlCol="0" anchor="t" anchorCtr="0"/>
-          <a:lstStyle/>
-          <a:p>
+          <a:bodyPr lIns="0" tIns="0" rIns="0" bIns="0" rtlCol="0" anchor="t" anchorCtr="0"/>
+          <a:lstStyle/>
+          <a:p>
+            <a:endParaRPr lang="en-US" sz="1000" b="1" dirty="0">
+              <a:ln w="0"/>
+              <a:solidFill>
+                <a:schemeClr val="accent1"/>
+              </a:solidFill>
+              <a:latin typeface="Arial" panose="020B0604020202020204" pitchFamily="34" charset="0"/>
+              <a:cs typeface="Arial" panose="020B0604020202020204" pitchFamily="34" charset="0"/>
+            </a:endParaRPr>
+          </a:p>
+          <a:p>
+            <a:endParaRPr lang="en-US" sz="1000" b="1" dirty="0">
+              <a:ln w="0"/>
+              <a:solidFill>
+                <a:schemeClr val="accent1"/>
+              </a:solidFill>
+              <a:latin typeface="Arial" panose="020B0604020202020204" pitchFamily="34" charset="0"/>
+              <a:cs typeface="Arial" panose="020B0604020202020204" pitchFamily="34" charset="0"/>
+            </a:endParaRPr>
+          </a:p>
+          <a:p>
+            <a:endParaRPr lang="en-US" sz="1000" b="1" dirty="0">
+              <a:ln w="0"/>
+              <a:solidFill>
+                <a:schemeClr val="accent1"/>
+              </a:solidFill>
+              <a:latin typeface="Arial" panose="020B0604020202020204" pitchFamily="34" charset="0"/>
+              <a:cs typeface="Arial" panose="020B0604020202020204" pitchFamily="34" charset="0"/>
+            </a:endParaRPr>
+          </a:p>
+          <a:p>
+            <a:pPr algn="ctr"/>
             <a:r>
               <a:rPr lang="en-US" sz="1000" b="1" dirty="0">
-                <a:ln w="10160">
-                  <a:solidFill>
-                    <a:schemeClr val="accent5"/>
-                  </a:solidFill>
-                  <a:prstDash val="solid"/>
-                </a:ln>
+                <a:ln w="0"/>
                 <a:solidFill>
-                  <a:srgbClr val="FFFFFF"/>
+                  <a:schemeClr val="accent1"/>
                 </a:solidFill>
-                <a:effectLst>
-                  <a:outerShdw blurRad="38100" dist="22860" dir="5400000" algn="tl" rotWithShape="0">
-                    <a:srgbClr val="000000">
-                      <a:alpha val="30000"/>
-                    </a:srgbClr>
-                  </a:outerShdw>
-                </a:effectLst>
                 <a:latin typeface="Arial" panose="020B0604020202020204" pitchFamily="34" charset="0"/>
                 <a:cs typeface="Arial" panose="020B0604020202020204" pitchFamily="34" charset="0"/>
               </a:rPr>
